--- a/secure-cloud.pptx
+++ b/secure-cloud.pptx
@@ -6143,6 +6143,20 @@
                 <a:latin typeface="Times New Roman" panose="02020603050405020304" pitchFamily="18" charset="0"/>
                 <a:cs typeface="Times New Roman" panose="02020603050405020304" pitchFamily="18" charset="0"/>
               </a:rPr>
+              <a:t>Mr</a:t>
+            </a:r>
+            <a:r>
+              <a:rPr lang="en-US" sz="2800" dirty="0" smtClean="0">
+                <a:latin typeface="Times New Roman" panose="02020603050405020304" pitchFamily="18" charset="0"/>
+                <a:cs typeface="Times New Roman" panose="02020603050405020304" pitchFamily="18" charset="0"/>
+              </a:rPr>
+              <a:t> </a:t>
+            </a:r>
+            <a:r>
+              <a:rPr lang="en-US" sz="2800" dirty="0" err="1" smtClean="0">
+                <a:latin typeface="Times New Roman" panose="02020603050405020304" pitchFamily="18" charset="0"/>
+                <a:cs typeface="Times New Roman" panose="02020603050405020304" pitchFamily="18" charset="0"/>
+              </a:rPr>
               <a:t>E.Amarnath</a:t>
             </a:r>
             <a:r>
@@ -7002,7 +7016,12 @@
             <p:ph type="title"/>
           </p:nvPr>
         </p:nvSpPr>
-        <p:spPr/>
+        <p:spPr>
+          <a:xfrm>
+            <a:off x="903515" y="0"/>
+            <a:ext cx="10515600" cy="1325563"/>
+          </a:xfrm>
+        </p:spPr>
         <p:txBody>
           <a:bodyPr>
             <a:normAutofit/>
@@ -7019,90 +7038,440 @@
           </a:p>
         </p:txBody>
       </p:sp>
-      <p:sp>
-        <p:nvSpPr>
-          <p:cNvPr id="3" name="Content Placeholder 2"/>
-          <p:cNvSpPr>
-            <a:spLocks noGrp="1"/>
-          </p:cNvSpPr>
+      <p:graphicFrame>
+        <p:nvGraphicFramePr>
+          <p:cNvPr id="6" name="Table 5"/>
+          <p:cNvGraphicFramePr>
+            <a:graphicFrameLocks noGrp="1"/>
+          </p:cNvGraphicFramePr>
           <p:nvPr>
-            <p:ph idx="1"/>
+            <p:extLst>
+              <p:ext uri="{D42A27DB-BD31-4B8C-83A1-F6EECF244321}">
+                <p14:modId xmlns:p14="http://schemas.microsoft.com/office/powerpoint/2010/main" val="3498053945"/>
+              </p:ext>
+            </p:extLst>
           </p:nvPr>
-        </p:nvSpPr>
-        <p:spPr/>
-        <p:txBody>
-          <a:bodyPr/>
-          <a:lstStyle/>
-          <a:p>
-            <a:pPr algn="just"/>
-            <a:r>
-              <a:rPr lang="en-US" b="1" dirty="0">
-                <a:latin typeface="Times New Roman" panose="02020603050405020304" pitchFamily="18" charset="0"/>
-                <a:cs typeface="Times New Roman" panose="02020603050405020304" pitchFamily="18" charset="0"/>
-              </a:rPr>
-              <a:t>Module 1: [Name]</a:t>
-            </a:r>
-            <a:r>
-              <a:rPr lang="en-US" dirty="0">
-                <a:latin typeface="Times New Roman" panose="02020603050405020304" pitchFamily="18" charset="0"/>
-                <a:cs typeface="Times New Roman" panose="02020603050405020304" pitchFamily="18" charset="0"/>
-              </a:rPr>
-              <a:t> - [Purpose]</a:t>
-            </a:r>
-          </a:p>
-          <a:p>
-            <a:pPr algn="just"/>
-            <a:r>
-              <a:rPr lang="en-US" b="1" dirty="0">
-                <a:latin typeface="Times New Roman" panose="02020603050405020304" pitchFamily="18" charset="0"/>
-                <a:cs typeface="Times New Roman" panose="02020603050405020304" pitchFamily="18" charset="0"/>
-              </a:rPr>
-              <a:t>Module 2: [Name]</a:t>
-            </a:r>
-            <a:r>
-              <a:rPr lang="en-US" dirty="0">
-                <a:latin typeface="Times New Roman" panose="02020603050405020304" pitchFamily="18" charset="0"/>
-                <a:cs typeface="Times New Roman" panose="02020603050405020304" pitchFamily="18" charset="0"/>
-              </a:rPr>
-              <a:t> - [Purpose]</a:t>
-            </a:r>
-          </a:p>
-          <a:p>
-            <a:pPr algn="just"/>
-            <a:r>
-              <a:rPr lang="en-US" b="1" dirty="0">
-                <a:latin typeface="Times New Roman" panose="02020603050405020304" pitchFamily="18" charset="0"/>
-                <a:cs typeface="Times New Roman" panose="02020603050405020304" pitchFamily="18" charset="0"/>
-              </a:rPr>
-              <a:t>Module 3: [Name]</a:t>
-            </a:r>
-            <a:r>
-              <a:rPr lang="en-US" dirty="0">
-                <a:latin typeface="Times New Roman" panose="02020603050405020304" pitchFamily="18" charset="0"/>
-                <a:cs typeface="Times New Roman" panose="02020603050405020304" pitchFamily="18" charset="0"/>
-              </a:rPr>
-              <a:t> - [Purpose]</a:t>
-            </a:r>
-          </a:p>
-          <a:p>
-            <a:pPr algn="just"/>
-            <a:r>
-              <a:rPr lang="en-US" b="1" dirty="0">
-                <a:latin typeface="Times New Roman" panose="02020603050405020304" pitchFamily="18" charset="0"/>
-                <a:cs typeface="Times New Roman" panose="02020603050405020304" pitchFamily="18" charset="0"/>
-              </a:rPr>
-              <a:t>Module 4: [Name]</a:t>
-            </a:r>
-            <a:r>
-              <a:rPr lang="en-US" dirty="0">
-                <a:latin typeface="Times New Roman" panose="02020603050405020304" pitchFamily="18" charset="0"/>
-                <a:cs typeface="Times New Roman" panose="02020603050405020304" pitchFamily="18" charset="0"/>
-              </a:rPr>
-              <a:t> - [Purpose]</a:t>
-            </a:r>
-          </a:p>
-        </p:txBody>
-      </p:sp>
+        </p:nvGraphicFramePr>
+        <p:xfrm>
+          <a:off x="903515" y="1103493"/>
+          <a:ext cx="10212977" cy="5504968"/>
+        </p:xfrm>
+        <a:graphic>
+          <a:graphicData uri="http://schemas.openxmlformats.org/drawingml/2006/table">
+            <a:tbl>
+              <a:tblPr firstRow="1" bandRow="1">
+                <a:tableStyleId>{5C22544A-7EE6-4342-B048-85BDC9FD1C3A}</a:tableStyleId>
+              </a:tblPr>
+              <a:tblGrid>
+                <a:gridCol w="887509"/>
+                <a:gridCol w="1969268"/>
+                <a:gridCol w="2642517"/>
+                <a:gridCol w="2356840"/>
+                <a:gridCol w="2356843"/>
+              </a:tblGrid>
+              <a:tr h="934758">
+                <a:tc>
+                  <a:txBody>
+                    <a:bodyPr/>
+                    <a:lstStyle/>
+                    <a:p>
+                      <a:pPr lvl="1"/>
+                      <a:endParaRPr lang="en-IN" dirty="0"/>
+                    </a:p>
+                  </a:txBody>
+                  <a:tcPr/>
+                </a:tc>
+                <a:tc>
+                  <a:txBody>
+                    <a:bodyPr/>
+                    <a:lstStyle/>
+                    <a:p>
+                      <a:r>
+                        <a:rPr lang="en-IN" dirty="0" smtClean="0"/>
+                        <a:t>Module Name</a:t>
+                      </a:r>
+                      <a:r>
+                        <a:rPr lang="en-IN" baseline="0" dirty="0" smtClean="0"/>
+                        <a:t> </a:t>
+                      </a:r>
+                      <a:endParaRPr lang="en-IN" dirty="0"/>
+                    </a:p>
+                  </a:txBody>
+                  <a:tcPr/>
+                </a:tc>
+                <a:tc>
+                  <a:txBody>
+                    <a:bodyPr/>
+                    <a:lstStyle/>
+                    <a:p>
+                      <a:r>
+                        <a:rPr lang="en-IN" dirty="0" smtClean="0"/>
+                        <a:t>Purpose</a:t>
+                      </a:r>
+                      <a:r>
+                        <a:rPr lang="en-IN" baseline="0" dirty="0" smtClean="0"/>
+                        <a:t>(why?) </a:t>
+                      </a:r>
+                      <a:endParaRPr lang="en-IN" dirty="0"/>
+                    </a:p>
+                  </a:txBody>
+                  <a:tcPr/>
+                </a:tc>
+                <a:tc>
+                  <a:txBody>
+                    <a:bodyPr/>
+                    <a:lstStyle/>
+                    <a:p>
+                      <a:r>
+                        <a:rPr lang="en-IN" dirty="0" smtClean="0"/>
+                        <a:t>Functionality(How it works)</a:t>
+                      </a:r>
+                      <a:endParaRPr lang="en-IN" dirty="0"/>
+                    </a:p>
+                  </a:txBody>
+                  <a:tcPr/>
+                </a:tc>
+                <a:tc>
+                  <a:txBody>
+                    <a:bodyPr/>
+                    <a:lstStyle/>
+                    <a:p>
+                      <a:r>
+                        <a:rPr lang="en-IN" dirty="0" smtClean="0"/>
+                        <a:t>Technologies/Components used</a:t>
+                      </a:r>
+                      <a:endParaRPr lang="en-IN" dirty="0"/>
+                    </a:p>
+                  </a:txBody>
+                  <a:tcPr/>
+                </a:tc>
+              </a:tr>
+              <a:tr h="1266652">
+                <a:tc>
+                  <a:txBody>
+                    <a:bodyPr/>
+                    <a:lstStyle/>
+                    <a:p>
+                      <a:r>
+                        <a:rPr lang="en-IN" dirty="0" smtClean="0"/>
+                        <a:t>1</a:t>
+                      </a:r>
+                      <a:endParaRPr lang="en-IN" dirty="0"/>
+                    </a:p>
+                  </a:txBody>
+                  <a:tcPr/>
+                </a:tc>
+                <a:tc>
+                  <a:txBody>
+                    <a:bodyPr/>
+                    <a:lstStyle/>
+                    <a:p>
+                      <a:r>
+                        <a:rPr lang="en-IN" dirty="0" smtClean="0"/>
+                        <a:t>User Authentication &amp; Access Control</a:t>
+                      </a:r>
+                      <a:endParaRPr lang="en-IN" dirty="0"/>
+                    </a:p>
+                  </a:txBody>
+                  <a:tcPr/>
+                </a:tc>
+                <a:tc>
+                  <a:txBody>
+                    <a:bodyPr/>
+                    <a:lstStyle/>
+                    <a:p>
+                      <a:r>
+                        <a:rPr lang="en-US" dirty="0" smtClean="0"/>
+                        <a:t>To ensure secure login and controlled access to user files.</a:t>
+                      </a:r>
+                      <a:endParaRPr lang="en-IN" dirty="0"/>
+                    </a:p>
+                  </a:txBody>
+                  <a:tcPr/>
+                </a:tc>
+                <a:tc>
+                  <a:txBody>
+                    <a:bodyPr/>
+                    <a:lstStyle/>
+                    <a:p>
+                      <a:r>
+                        <a:rPr lang="en-US" dirty="0" smtClean="0"/>
+                        <a:t>• Users register and log in through encrypted credentials.</a:t>
+                      </a:r>
+                      <a:br>
+                        <a:rPr lang="en-US" dirty="0" smtClean="0"/>
+                      </a:br>
+                      <a:endParaRPr lang="en-IN" dirty="0"/>
+                    </a:p>
+                  </a:txBody>
+                  <a:tcPr/>
+                </a:tc>
+                <a:tc>
+                  <a:txBody>
+                    <a:bodyPr/>
+                    <a:lstStyle/>
+                    <a:p>
+                      <a:r>
+                        <a:rPr lang="en-IN" dirty="0" smtClean="0"/>
+                        <a:t>Node.js / Flask, JWT, </a:t>
+                      </a:r>
+                      <a:r>
+                        <a:rPr lang="en-IN" dirty="0" err="1" smtClean="0"/>
+                        <a:t>Bcrypt</a:t>
+                      </a:r>
+                      <a:r>
+                        <a:rPr lang="en-IN" dirty="0" smtClean="0"/>
+                        <a:t>, HTTPS</a:t>
+                      </a:r>
+                      <a:endParaRPr lang="en-IN" dirty="0"/>
+                    </a:p>
+                  </a:txBody>
+                  <a:tcPr/>
+                </a:tc>
+              </a:tr>
+              <a:tr h="1240526">
+                <a:tc>
+                  <a:txBody>
+                    <a:bodyPr/>
+                    <a:lstStyle/>
+                    <a:p>
+                      <a:r>
+                        <a:rPr lang="en-IN" dirty="0" smtClean="0"/>
+                        <a:t>2</a:t>
+                      </a:r>
+                      <a:endParaRPr lang="en-IN" dirty="0"/>
+                    </a:p>
+                  </a:txBody>
+                  <a:tcPr/>
+                </a:tc>
+                <a:tc>
+                  <a:txBody>
+                    <a:bodyPr/>
+                    <a:lstStyle/>
+                    <a:p>
+                      <a:r>
+                        <a:rPr lang="en-IN" dirty="0" smtClean="0"/>
+                        <a:t>File Encryption &amp; Storage Management</a:t>
+                      </a:r>
+                      <a:endParaRPr lang="en-IN" dirty="0"/>
+                    </a:p>
+                  </a:txBody>
+                  <a:tcPr/>
+                </a:tc>
+                <a:tc>
+                  <a:txBody>
+                    <a:bodyPr/>
+                    <a:lstStyle/>
+                    <a:p>
+                      <a:r>
+                        <a:rPr lang="en-US" dirty="0" smtClean="0"/>
+                        <a:t>To protect files from unauthorized access and ensure secure storage.</a:t>
+                      </a:r>
+                      <a:endParaRPr lang="en-IN" dirty="0"/>
+                    </a:p>
+                  </a:txBody>
+                  <a:tcPr/>
+                </a:tc>
+                <a:tc>
+                  <a:txBody>
+                    <a:bodyPr/>
+                    <a:lstStyle/>
+                    <a:p>
+                      <a:r>
+                        <a:rPr lang="en-US" dirty="0" smtClean="0"/>
+                        <a:t>• Files are encrypted using AES before upload.</a:t>
+                      </a:r>
+                      <a:br>
+                        <a:rPr lang="en-US" dirty="0" smtClean="0"/>
+                      </a:br>
+                      <a:endParaRPr lang="en-IN" dirty="0"/>
+                    </a:p>
+                  </a:txBody>
+                  <a:tcPr/>
+                </a:tc>
+                <a:tc>
+                  <a:txBody>
+                    <a:bodyPr/>
+                    <a:lstStyle/>
+                    <a:p>
+                      <a:r>
+                        <a:rPr lang="en-IN" dirty="0" smtClean="0"/>
+                        <a:t>AES / RSA, Crypto.js / </a:t>
+                      </a:r>
+                      <a:r>
+                        <a:rPr lang="en-IN" dirty="0" err="1" smtClean="0"/>
+                        <a:t>PyCryptodome</a:t>
+                      </a:r>
+                      <a:r>
+                        <a:rPr lang="en-IN" dirty="0" smtClean="0"/>
+                        <a:t>, File System / Cloud Storage</a:t>
+                      </a:r>
+                      <a:endParaRPr lang="en-IN" dirty="0"/>
+                    </a:p>
+                  </a:txBody>
+                  <a:tcPr/>
+                </a:tc>
+              </a:tr>
+              <a:tr h="1031516">
+                <a:tc>
+                  <a:txBody>
+                    <a:bodyPr/>
+                    <a:lstStyle/>
+                    <a:p>
+                      <a:r>
+                        <a:rPr lang="en-IN" dirty="0" smtClean="0"/>
+                        <a:t>3</a:t>
+                      </a:r>
+                      <a:endParaRPr lang="en-IN" dirty="0"/>
+                    </a:p>
+                  </a:txBody>
+                  <a:tcPr/>
+                </a:tc>
+                <a:tc>
+                  <a:txBody>
+                    <a:bodyPr/>
+                    <a:lstStyle/>
+                    <a:p>
+                      <a:r>
+                        <a:rPr lang="en-IN" dirty="0" smtClean="0"/>
+                        <a:t>File Upload, Download &amp; Sharing</a:t>
+                      </a:r>
+                      <a:endParaRPr lang="en-IN" dirty="0"/>
+                    </a:p>
+                  </a:txBody>
+                  <a:tcPr/>
+                </a:tc>
+                <a:tc>
+                  <a:txBody>
+                    <a:bodyPr/>
+                    <a:lstStyle/>
+                    <a:p>
+                      <a:r>
+                        <a:rPr lang="en-US" dirty="0" smtClean="0"/>
+                        <a:t>To enable secure and seamless file operations.</a:t>
+                      </a:r>
+                      <a:endParaRPr lang="en-IN" dirty="0"/>
+                    </a:p>
+                  </a:txBody>
+                  <a:tcPr/>
+                </a:tc>
+                <a:tc>
+                  <a:txBody>
+                    <a:bodyPr/>
+                    <a:lstStyle/>
+                    <a:p>
+                      <a:r>
+                        <a:rPr lang="en-US" dirty="0" smtClean="0"/>
+                        <a:t>• Users can upload, download, or share files.</a:t>
+                      </a:r>
+                      <a:endParaRPr lang="en-IN" dirty="0"/>
+                    </a:p>
+                  </a:txBody>
+                  <a:tcPr/>
+                </a:tc>
+                <a:tc>
+                  <a:txBody>
+                    <a:bodyPr/>
+                    <a:lstStyle/>
+                    <a:p>
+                      <a:r>
+                        <a:rPr lang="en-IN" dirty="0" err="1" smtClean="0"/>
+                        <a:t>RESTful</a:t>
+                      </a:r>
+                      <a:r>
+                        <a:rPr lang="en-IN" dirty="0" smtClean="0"/>
+                        <a:t> APIs, Express.js / Flask, </a:t>
+                      </a:r>
+                      <a:r>
+                        <a:rPr lang="en-IN" dirty="0" err="1" smtClean="0"/>
+                        <a:t>Multer</a:t>
+                      </a:r>
+                      <a:r>
+                        <a:rPr lang="en-IN" dirty="0" smtClean="0"/>
+                        <a:t> / File Handler</a:t>
+                      </a:r>
+                      <a:endParaRPr lang="en-IN" dirty="0"/>
+                    </a:p>
+                  </a:txBody>
+                  <a:tcPr/>
+                </a:tc>
+              </a:tr>
+              <a:tr h="1031516">
+                <a:tc>
+                  <a:txBody>
+                    <a:bodyPr/>
+                    <a:lstStyle/>
+                    <a:p>
+                      <a:r>
+                        <a:rPr lang="en-IN" dirty="0" smtClean="0"/>
+                        <a:t>4</a:t>
+                      </a:r>
+                      <a:endParaRPr lang="en-IN" dirty="0"/>
+                    </a:p>
+                  </a:txBody>
+                  <a:tcPr/>
+                </a:tc>
+                <a:tc>
+                  <a:txBody>
+                    <a:bodyPr/>
+                    <a:lstStyle/>
+                    <a:p>
+                      <a:r>
+                        <a:rPr lang="en-IN" dirty="0" smtClean="0"/>
+                        <a:t>Activity Logging &amp; Monitoring</a:t>
+                      </a:r>
+                      <a:endParaRPr lang="en-IN" dirty="0"/>
+                    </a:p>
+                  </a:txBody>
+                  <a:tcPr/>
+                </a:tc>
+                <a:tc>
+                  <a:txBody>
+                    <a:bodyPr/>
+                    <a:lstStyle/>
+                    <a:p>
+                      <a:r>
+                        <a:rPr lang="en-US" dirty="0" smtClean="0"/>
+                        <a:t>To track user actions and enhance transparency.</a:t>
+                      </a:r>
+                      <a:endParaRPr lang="en-IN" dirty="0"/>
+                    </a:p>
+                  </a:txBody>
+                  <a:tcPr/>
+                </a:tc>
+                <a:tc>
+                  <a:txBody>
+                    <a:bodyPr/>
+                    <a:lstStyle/>
+                    <a:p>
+                      <a:r>
+                        <a:rPr lang="en-US" dirty="0" smtClean="0"/>
+                        <a:t>• Each upload, download, and share event is logged.</a:t>
+                      </a:r>
+                      <a:endParaRPr lang="en-IN" dirty="0"/>
+                    </a:p>
+                  </a:txBody>
+                  <a:tcPr/>
+                </a:tc>
+                <a:tc>
+                  <a:txBody>
+                    <a:bodyPr/>
+                    <a:lstStyle/>
+                    <a:p>
+                      <a:r>
+                        <a:rPr lang="en-IN" dirty="0" smtClean="0"/>
+                        <a:t>SQLite / MySQL, Loggers, Dashboard UI</a:t>
+                      </a:r>
+                      <a:endParaRPr lang="en-IN" dirty="0"/>
+                    </a:p>
+                  </a:txBody>
+                  <a:tcPr/>
+                </a:tc>
+              </a:tr>
+            </a:tbl>
+          </a:graphicData>
+        </a:graphic>
+      </p:graphicFrame>
     </p:spTree>
     <p:extLst>
       <p:ext uri="{BB962C8B-B14F-4D97-AF65-F5344CB8AC3E}">

--- a/secure-cloud.pptx
+++ b/secure-cloud.pptx
@@ -269,7 +269,7 @@
           <a:p>
             <a:fld id="{E702AB04-7C5B-48EB-B77E-067F7962D302}" type="datetimeFigureOut">
               <a:rPr lang="en-US" smtClean="0"/>
-              <a:t>10/14/2025</a:t>
+              <a:t>10/15/2025</a:t>
             </a:fld>
             <a:endParaRPr lang="en-US"/>
           </a:p>
@@ -437,7 +437,7 @@
           <a:p>
             <a:fld id="{E702AB04-7C5B-48EB-B77E-067F7962D302}" type="datetimeFigureOut">
               <a:rPr lang="en-US" smtClean="0"/>
-              <a:t>10/14/2025</a:t>
+              <a:t>10/15/2025</a:t>
             </a:fld>
             <a:endParaRPr lang="en-US"/>
           </a:p>
@@ -615,7 +615,7 @@
           <a:p>
             <a:fld id="{E702AB04-7C5B-48EB-B77E-067F7962D302}" type="datetimeFigureOut">
               <a:rPr lang="en-US" smtClean="0"/>
-              <a:t>10/14/2025</a:t>
+              <a:t>10/15/2025</a:t>
             </a:fld>
             <a:endParaRPr lang="en-US"/>
           </a:p>
@@ -783,7 +783,7 @@
           <a:p>
             <a:fld id="{E702AB04-7C5B-48EB-B77E-067F7962D302}" type="datetimeFigureOut">
               <a:rPr lang="en-US" smtClean="0"/>
-              <a:t>10/14/2025</a:t>
+              <a:t>10/15/2025</a:t>
             </a:fld>
             <a:endParaRPr lang="en-US"/>
           </a:p>
@@ -1028,7 +1028,7 @@
           <a:p>
             <a:fld id="{E702AB04-7C5B-48EB-B77E-067F7962D302}" type="datetimeFigureOut">
               <a:rPr lang="en-US" smtClean="0"/>
-              <a:t>10/14/2025</a:t>
+              <a:t>10/15/2025</a:t>
             </a:fld>
             <a:endParaRPr lang="en-US"/>
           </a:p>
@@ -1257,7 +1257,7 @@
           <a:p>
             <a:fld id="{E702AB04-7C5B-48EB-B77E-067F7962D302}" type="datetimeFigureOut">
               <a:rPr lang="en-US" smtClean="0"/>
-              <a:t>10/14/2025</a:t>
+              <a:t>10/15/2025</a:t>
             </a:fld>
             <a:endParaRPr lang="en-US"/>
           </a:p>
@@ -1621,7 +1621,7 @@
           <a:p>
             <a:fld id="{E702AB04-7C5B-48EB-B77E-067F7962D302}" type="datetimeFigureOut">
               <a:rPr lang="en-US" smtClean="0"/>
-              <a:t>10/14/2025</a:t>
+              <a:t>10/15/2025</a:t>
             </a:fld>
             <a:endParaRPr lang="en-US"/>
           </a:p>
@@ -1738,7 +1738,7 @@
           <a:p>
             <a:fld id="{E702AB04-7C5B-48EB-B77E-067F7962D302}" type="datetimeFigureOut">
               <a:rPr lang="en-US" smtClean="0"/>
-              <a:t>10/14/2025</a:t>
+              <a:t>10/15/2025</a:t>
             </a:fld>
             <a:endParaRPr lang="en-US"/>
           </a:p>
@@ -1833,7 +1833,7 @@
           <a:p>
             <a:fld id="{E702AB04-7C5B-48EB-B77E-067F7962D302}" type="datetimeFigureOut">
               <a:rPr lang="en-US" smtClean="0"/>
-              <a:t>10/14/2025</a:t>
+              <a:t>10/15/2025</a:t>
             </a:fld>
             <a:endParaRPr lang="en-US"/>
           </a:p>
@@ -2108,7 +2108,7 @@
           <a:p>
             <a:fld id="{E702AB04-7C5B-48EB-B77E-067F7962D302}" type="datetimeFigureOut">
               <a:rPr lang="en-US" smtClean="0"/>
-              <a:t>10/14/2025</a:t>
+              <a:t>10/15/2025</a:t>
             </a:fld>
             <a:endParaRPr lang="en-US"/>
           </a:p>
@@ -2360,7 +2360,7 @@
           <a:p>
             <a:fld id="{E702AB04-7C5B-48EB-B77E-067F7962D302}" type="datetimeFigureOut">
               <a:rPr lang="en-US" smtClean="0"/>
-              <a:t>10/14/2025</a:t>
+              <a:t>10/15/2025</a:t>
             </a:fld>
             <a:endParaRPr lang="en-US"/>
           </a:p>
@@ -2571,7 +2571,7 @@
           <a:p>
             <a:fld id="{E702AB04-7C5B-48EB-B77E-067F7962D302}" type="datetimeFigureOut">
               <a:rPr lang="en-US" smtClean="0"/>
-              <a:t>10/14/2025</a:t>
+              <a:t>10/15/2025</a:t>
             </a:fld>
             <a:endParaRPr lang="en-US"/>
           </a:p>
@@ -4568,21 +4568,7 @@
                 <a:latin typeface="Times New Roman" panose="02020603050405020304" pitchFamily="18" charset="0"/>
                 <a:cs typeface="Times New Roman" panose="02020603050405020304" pitchFamily="18" charset="0"/>
               </a:rPr>
-              <a:t>   </a:t>
-            </a:r>
-            <a:r>
-              <a:rPr lang="en-US" sz="4000" b="1" dirty="0" smtClean="0">
-                <a:latin typeface="Times New Roman" panose="02020603050405020304" pitchFamily="18" charset="0"/>
-                <a:cs typeface="Times New Roman" panose="02020603050405020304" pitchFamily="18" charset="0"/>
-              </a:rPr>
-              <a:t>Problem </a:t>
-            </a:r>
-            <a:r>
-              <a:rPr lang="en-US" sz="4000" b="1" dirty="0" smtClean="0">
-                <a:latin typeface="Times New Roman" panose="02020603050405020304" pitchFamily="18" charset="0"/>
-                <a:cs typeface="Times New Roman" panose="02020603050405020304" pitchFamily="18" charset="0"/>
-              </a:rPr>
-              <a:t>Statement:</a:t>
+              <a:t>   Problem Statement:</a:t>
             </a:r>
             <a:endParaRPr lang="en-US" sz="4000" b="1" dirty="0">
               <a:latin typeface="Times New Roman" panose="02020603050405020304" pitchFamily="18" charset="0"/>
@@ -4853,14 +4839,107 @@
                 <a:latin typeface="Times New Roman" panose="02020603050405020304" pitchFamily="18" charset="0"/>
                 <a:cs typeface="Times New Roman" panose="02020603050405020304" pitchFamily="18" charset="0"/>
               </a:rPr>
-              <a:t> </a:t>
+              <a:t> Public Consumer Cloud (e.g., Google Drive, Dropbox</a:t>
+            </a:r>
+            <a:r>
+              <a:rPr lang="en-US" dirty="0" smtClean="0">
+                <a:latin typeface="Times New Roman" panose="02020603050405020304" pitchFamily="18" charset="0"/>
+                <a:cs typeface="Times New Roman" panose="02020603050405020304" pitchFamily="18" charset="0"/>
+              </a:rPr>
+              <a:t>)</a:t>
+            </a:r>
+          </a:p>
+          <a:p>
+            <a:pPr algn="just"/>
+            <a:r>
+              <a:rPr lang="en-US" sz="2600" b="1" dirty="0" smtClean="0">
+                <a:latin typeface="Times New Roman" panose="02020603050405020304" pitchFamily="18" charset="0"/>
+                <a:cs typeface="Times New Roman" panose="02020603050405020304" pitchFamily="18" charset="0"/>
+              </a:rPr>
+              <a:t>How </a:t>
+            </a:r>
+            <a:r>
+              <a:rPr lang="en-US" sz="2600" b="1" dirty="0">
+                <a:latin typeface="Times New Roman" panose="02020603050405020304" pitchFamily="18" charset="0"/>
+                <a:cs typeface="Times New Roman" panose="02020603050405020304" pitchFamily="18" charset="0"/>
+              </a:rPr>
+              <a:t>it works: </a:t>
+            </a:r>
+            <a:r>
+              <a:rPr lang="en-US" sz="2600" dirty="0">
+                <a:latin typeface="Times New Roman" panose="02020603050405020304" pitchFamily="18" charset="0"/>
+                <a:cs typeface="Times New Roman" panose="02020603050405020304" pitchFamily="18" charset="0"/>
+              </a:rPr>
+              <a:t>Files are uploaded to provider-managed servers; access controlled via user accounts and provider-side permissions; sharing uses links or email invites</a:t>
+            </a:r>
+            <a:r>
+              <a:rPr lang="en-US" sz="2600" dirty="0" smtClean="0">
+                <a:latin typeface="Times New Roman" panose="02020603050405020304" pitchFamily="18" charset="0"/>
+                <a:cs typeface="Times New Roman" panose="02020603050405020304" pitchFamily="18" charset="0"/>
+              </a:rPr>
+              <a:t>.</a:t>
+            </a:r>
+          </a:p>
+          <a:p>
+            <a:pPr algn="just"/>
+            <a:r>
+              <a:rPr lang="en-US" sz="2600" b="1" dirty="0" smtClean="0">
+                <a:latin typeface="Times New Roman" panose="02020603050405020304" pitchFamily="18" charset="0"/>
+                <a:cs typeface="Times New Roman" panose="02020603050405020304" pitchFamily="18" charset="0"/>
+              </a:rPr>
+              <a:t>Why </a:t>
+            </a:r>
+            <a:r>
+              <a:rPr lang="en-US" sz="2600" b="1" dirty="0">
+                <a:latin typeface="Times New Roman" panose="02020603050405020304" pitchFamily="18" charset="0"/>
+                <a:cs typeface="Times New Roman" panose="02020603050405020304" pitchFamily="18" charset="0"/>
+              </a:rPr>
+              <a:t>it's insufficient: </a:t>
+            </a:r>
+            <a:r>
+              <a:rPr lang="en-US" sz="2600" dirty="0" smtClean="0">
+                <a:latin typeface="Times New Roman" panose="02020603050405020304" pitchFamily="18" charset="0"/>
+                <a:cs typeface="Times New Roman" panose="02020603050405020304" pitchFamily="18" charset="0"/>
+              </a:rPr>
+              <a:t>Provider holds encryption keys and metadata (limited user control); privacy depends on provider policies; ongoing subscription or storage costs and potential vendor lock-in.</a:t>
+            </a:r>
+          </a:p>
+          <a:p>
+            <a:pPr algn="just"/>
+            <a:r>
+              <a:rPr lang="en-US" b="1" dirty="0" smtClean="0">
+                <a:latin typeface="Times New Roman" panose="02020603050405020304" pitchFamily="18" charset="0"/>
+                <a:cs typeface="Times New Roman" panose="02020603050405020304" pitchFamily="18" charset="0"/>
+              </a:rPr>
+              <a:t>Methodology </a:t>
+            </a:r>
+            <a:r>
+              <a:rPr lang="en-US" b="1" dirty="0">
+                <a:latin typeface="Times New Roman" panose="02020603050405020304" pitchFamily="18" charset="0"/>
+                <a:cs typeface="Times New Roman" panose="02020603050405020304" pitchFamily="18" charset="0"/>
+              </a:rPr>
+              <a:t>2:</a:t>
             </a:r>
             <a:r>
               <a:rPr lang="en-US" dirty="0">
                 <a:latin typeface="Times New Roman" panose="02020603050405020304" pitchFamily="18" charset="0"/>
                 <a:cs typeface="Times New Roman" panose="02020603050405020304" pitchFamily="18" charset="0"/>
               </a:rPr>
-              <a:t>Public Consumer Cloud (e.g., Google Drive, Dropbox</a:t>
+              <a:t> Enterprise Cloud Platforms (e.g., Box, </a:t>
+            </a:r>
+            <a:r>
+              <a:rPr lang="en-US" dirty="0" err="1">
+                <a:latin typeface="Times New Roman" panose="02020603050405020304" pitchFamily="18" charset="0"/>
+                <a:cs typeface="Times New Roman" panose="02020603050405020304" pitchFamily="18" charset="0"/>
+              </a:rPr>
+              <a:t>OneDrive</a:t>
+            </a:r>
+            <a:r>
+              <a:rPr lang="en-US" dirty="0">
+                <a:latin typeface="Times New Roman" panose="02020603050405020304" pitchFamily="18" charset="0"/>
+                <a:cs typeface="Times New Roman" panose="02020603050405020304" pitchFamily="18" charset="0"/>
+              </a:rPr>
+              <a:t> for Business</a:t>
             </a:r>
             <a:r>
               <a:rPr lang="en-US" dirty="0" smtClean="0">
@@ -4891,14 +4970,14 @@
                 <a:latin typeface="Times New Roman" panose="02020603050405020304" pitchFamily="18" charset="0"/>
                 <a:cs typeface="Times New Roman" panose="02020603050405020304" pitchFamily="18" charset="0"/>
               </a:rPr>
-              <a:t>Files are uploaded to provider-managed servers; access controlled via user accounts and provider-side permissions; sharing uses links or email invites</a:t>
+              <a:t>Centralized enterprise-grade storage with admin controls, compliance features, auditing, and integrated access management (SSO, RBAC</a:t>
             </a:r>
             <a:r>
               <a:rPr lang="en-US" sz="2600" dirty="0" smtClean="0">
                 <a:latin typeface="Times New Roman" panose="02020603050405020304" pitchFamily="18" charset="0"/>
                 <a:cs typeface="Times New Roman" panose="02020603050405020304" pitchFamily="18" charset="0"/>
               </a:rPr>
-              <a:t>.</a:t>
+              <a:t>).</a:t>
             </a:r>
           </a:p>
           <a:p>
@@ -4915,133 +4994,15 @@
                 <a:latin typeface="Times New Roman" panose="02020603050405020304" pitchFamily="18" charset="0"/>
                 <a:cs typeface="Times New Roman" panose="02020603050405020304" pitchFamily="18" charset="0"/>
               </a:rPr>
-              <a:t>it's insufficient: </a:t>
-            </a:r>
-            <a:r>
-              <a:rPr lang="en-US" sz="2600" dirty="0" smtClean="0">
-                <a:latin typeface="Times New Roman" panose="02020603050405020304" pitchFamily="18" charset="0"/>
-                <a:cs typeface="Times New Roman" panose="02020603050405020304" pitchFamily="18" charset="0"/>
-              </a:rPr>
-              <a:t>Provider holds encryption keys and metadata (limited user control); privacy depends on provider policies; ongoing subscription or storage costs and potential vendor lock-in.</a:t>
-            </a:r>
-          </a:p>
-          <a:p>
-            <a:pPr algn="just"/>
-            <a:r>
-              <a:rPr lang="en-US" b="1" dirty="0" smtClean="0">
-                <a:latin typeface="Times New Roman" panose="02020603050405020304" pitchFamily="18" charset="0"/>
-                <a:cs typeface="Times New Roman" panose="02020603050405020304" pitchFamily="18" charset="0"/>
-              </a:rPr>
-              <a:t>Methodology </a:t>
-            </a:r>
-            <a:r>
-              <a:rPr lang="en-US" b="1" dirty="0">
-                <a:latin typeface="Times New Roman" panose="02020603050405020304" pitchFamily="18" charset="0"/>
-                <a:cs typeface="Times New Roman" panose="02020603050405020304" pitchFamily="18" charset="0"/>
-              </a:rPr>
-              <a:t>2:</a:t>
-            </a:r>
-            <a:r>
-              <a:rPr lang="en-US" dirty="0">
-                <a:latin typeface="Times New Roman" panose="02020603050405020304" pitchFamily="18" charset="0"/>
-                <a:cs typeface="Times New Roman" panose="02020603050405020304" pitchFamily="18" charset="0"/>
-              </a:rPr>
-              <a:t> </a:t>
-            </a:r>
-            <a:r>
-              <a:rPr lang="en-US" dirty="0">
-                <a:latin typeface="Times New Roman" panose="02020603050405020304" pitchFamily="18" charset="0"/>
-                <a:cs typeface="Times New Roman" panose="02020603050405020304" pitchFamily="18" charset="0"/>
-              </a:rPr>
-              <a:t>Enterprise Cloud Platforms (e.g., Box, </a:t>
-            </a:r>
-            <a:r>
-              <a:rPr lang="en-US" dirty="0" err="1">
-                <a:latin typeface="Times New Roman" panose="02020603050405020304" pitchFamily="18" charset="0"/>
-                <a:cs typeface="Times New Roman" panose="02020603050405020304" pitchFamily="18" charset="0"/>
-              </a:rPr>
-              <a:t>OneDrive</a:t>
-            </a:r>
-            <a:r>
-              <a:rPr lang="en-US" dirty="0">
-                <a:latin typeface="Times New Roman" panose="02020603050405020304" pitchFamily="18" charset="0"/>
-                <a:cs typeface="Times New Roman" panose="02020603050405020304" pitchFamily="18" charset="0"/>
-              </a:rPr>
-              <a:t> for Business</a:t>
-            </a:r>
-            <a:r>
-              <a:rPr lang="en-US" dirty="0" smtClean="0">
-                <a:latin typeface="Times New Roman" panose="02020603050405020304" pitchFamily="18" charset="0"/>
-                <a:cs typeface="Times New Roman" panose="02020603050405020304" pitchFamily="18" charset="0"/>
-              </a:rPr>
-              <a:t>)</a:t>
-            </a:r>
-          </a:p>
-          <a:p>
-            <a:pPr algn="just"/>
-            <a:r>
-              <a:rPr lang="en-US" sz="2600" b="1" dirty="0" smtClean="0">
-                <a:latin typeface="Times New Roman" panose="02020603050405020304" pitchFamily="18" charset="0"/>
-                <a:cs typeface="Times New Roman" panose="02020603050405020304" pitchFamily="18" charset="0"/>
-              </a:rPr>
-              <a:t>How </a:t>
-            </a:r>
-            <a:r>
-              <a:rPr lang="en-US" sz="2600" b="1" dirty="0">
-                <a:latin typeface="Times New Roman" panose="02020603050405020304" pitchFamily="18" charset="0"/>
-                <a:cs typeface="Times New Roman" panose="02020603050405020304" pitchFamily="18" charset="0"/>
-              </a:rPr>
-              <a:t>it works: </a:t>
+              <a:t>it's insufficient</a:t>
             </a:r>
             <a:r>
               <a:rPr lang="en-US" sz="2600" dirty="0">
                 <a:latin typeface="Times New Roman" panose="02020603050405020304" pitchFamily="18" charset="0"/>
                 <a:cs typeface="Times New Roman" panose="02020603050405020304" pitchFamily="18" charset="0"/>
               </a:rPr>
-              <a:t>Centralized enterprise-grade storage with admin controls, compliance features, auditing, and integrated access management (SSO, RBAC</a:t>
-            </a:r>
-            <a:r>
-              <a:rPr lang="en-US" sz="2600" dirty="0" smtClean="0">
-                <a:latin typeface="Times New Roman" panose="02020603050405020304" pitchFamily="18" charset="0"/>
-                <a:cs typeface="Times New Roman" panose="02020603050405020304" pitchFamily="18" charset="0"/>
-              </a:rPr>
-              <a:t>).</a:t>
-            </a:r>
-          </a:p>
-          <a:p>
-            <a:pPr algn="just"/>
-            <a:r>
-              <a:rPr lang="en-US" sz="2600" b="1" dirty="0" smtClean="0">
-                <a:latin typeface="Times New Roman" panose="02020603050405020304" pitchFamily="18" charset="0"/>
-                <a:cs typeface="Times New Roman" panose="02020603050405020304" pitchFamily="18" charset="0"/>
-              </a:rPr>
-              <a:t>Why </a:t>
-            </a:r>
-            <a:r>
-              <a:rPr lang="en-US" sz="2600" b="1" dirty="0">
-                <a:latin typeface="Times New Roman" panose="02020603050405020304" pitchFamily="18" charset="0"/>
-                <a:cs typeface="Times New Roman" panose="02020603050405020304" pitchFamily="18" charset="0"/>
-              </a:rPr>
-              <a:t>it's insufficient</a:t>
-            </a:r>
-            <a:r>
-              <a:rPr lang="en-US" sz="2600" dirty="0">
-                <a:latin typeface="Times New Roman" panose="02020603050405020304" pitchFamily="18" charset="0"/>
-                <a:cs typeface="Times New Roman" panose="02020603050405020304" pitchFamily="18" charset="0"/>
-              </a:rPr>
-              <a:t>: </a:t>
-            </a:r>
-            <a:r>
-              <a:rPr lang="en-US" sz="2600" dirty="0">
-                <a:latin typeface="Times New Roman" panose="02020603050405020304" pitchFamily="18" charset="0"/>
-                <a:cs typeface="Times New Roman" panose="02020603050405020304" pitchFamily="18" charset="0"/>
-              </a:rPr>
-              <a:t>Expensive for small orgs/students; heavy feature set increases complexity; still relies on third-party trust and often lacks true end-to-end encryption by default.</a:t>
-            </a:r>
-            <a:endParaRPr lang="en-US" sz="2600" dirty="0">
-              <a:latin typeface="Times New Roman" panose="02020603050405020304" pitchFamily="18" charset="0"/>
-              <a:cs typeface="Times New Roman" panose="02020603050405020304" pitchFamily="18" charset="0"/>
-            </a:endParaRPr>
+              <a:t>: Expensive for small orgs/students; heavy feature set increases complexity; still relies on third-party trust and often lacks true end-to-end encryption by default.</a:t>
+            </a:r>
           </a:p>
         </p:txBody>
       </p:sp>
@@ -6201,7 +6162,7 @@
           <p:cNvPr id="2" name="Picture 1">
             <a:extLst>
               <a:ext uri="{FF2B5EF4-FFF2-40B4-BE49-F238E27FC236}">
-                <a16:creationId xmlns:a16="http://schemas.microsoft.com/office/drawing/2014/main" xmlns="" id="{8B1B7B51-D938-5E6A-4626-948964BC6C41}"/>
+                <a16:creationId xmlns="" xmlns:a16="http://schemas.microsoft.com/office/drawing/2014/main" id="{8B1B7B51-D938-5E6A-4626-948964BC6C41}"/>
               </a:ext>
             </a:extLst>
           </p:cNvPr>
@@ -6231,7 +6192,7 @@
           <p:cNvPr id="7" name="TextBox 6">
             <a:extLst>
               <a:ext uri="{FF2B5EF4-FFF2-40B4-BE49-F238E27FC236}">
-                <a16:creationId xmlns:a16="http://schemas.microsoft.com/office/drawing/2014/main" xmlns="" id="{965964C8-54A9-9B82-9E63-9C8AFCCF3CF1}"/>
+                <a16:creationId xmlns="" xmlns:a16="http://schemas.microsoft.com/office/drawing/2014/main" id="{965964C8-54A9-9B82-9E63-9C8AFCCF3CF1}"/>
               </a:ext>
             </a:extLst>
           </p:cNvPr>
@@ -6483,7 +6444,7 @@
           <p:cNvPr id="4" name="TextBox 3">
             <a:extLst>
               <a:ext uri="{FF2B5EF4-FFF2-40B4-BE49-F238E27FC236}">
-                <a16:creationId xmlns:a16="http://schemas.microsoft.com/office/drawing/2014/main" xmlns="" id="{BADD4862-2F0D-193D-3381-E64684404307}"/>
+                <a16:creationId xmlns="" xmlns:a16="http://schemas.microsoft.com/office/drawing/2014/main" id="{BADD4862-2F0D-193D-3381-E64684404307}"/>
               </a:ext>
             </a:extLst>
           </p:cNvPr>
@@ -6574,7 +6535,7 @@
         <p:cNvPr id="1" name="">
           <a:extLst>
             <a:ext uri="{FF2B5EF4-FFF2-40B4-BE49-F238E27FC236}">
-              <a16:creationId xmlns:a16="http://schemas.microsoft.com/office/drawing/2014/main" xmlns="" id="{AA057AB0-ABDB-65F1-C9FC-9A979A027347}"/>
+              <a16:creationId xmlns="" xmlns:a16="http://schemas.microsoft.com/office/drawing/2014/main" id="{AA057AB0-ABDB-65F1-C9FC-9A979A027347}"/>
             </a:ext>
           </a:extLst>
         </p:cNvPr>
@@ -6594,7 +6555,7 @@
           <p:cNvPr id="4" name="TextBox 3">
             <a:extLst>
               <a:ext uri="{FF2B5EF4-FFF2-40B4-BE49-F238E27FC236}">
-                <a16:creationId xmlns:a16="http://schemas.microsoft.com/office/drawing/2014/main" xmlns="" id="{5AC1F662-F2F6-E21F-6982-B857032B6A78}"/>
+                <a16:creationId xmlns="" xmlns:a16="http://schemas.microsoft.com/office/drawing/2014/main" id="{5AC1F662-F2F6-E21F-6982-B857032B6A78}"/>
               </a:ext>
             </a:extLst>
           </p:cNvPr>
@@ -6633,8 +6594,10 @@
       </p:sp>
       <p:pic>
         <p:nvPicPr>
-          <p:cNvPr id="5" name="Picture 4" descr="A diagram of a user and file sharing system&#10;&#10;AI-generated content may be incorrect."/>
-          <p:cNvPicPr/>
+          <p:cNvPr id="2" name="Picture 1"/>
+          <p:cNvPicPr>
+            <a:picLocks noChangeAspect="1"/>
+          </p:cNvPicPr>
           <p:nvPr/>
         </p:nvPicPr>
         <p:blipFill>
@@ -6645,23 +6608,18 @@
               </a:ext>
             </a:extLst>
           </a:blip>
-          <a:srcRect/>
           <a:stretch>
             <a:fillRect/>
           </a:stretch>
         </p:blipFill>
-        <p:spPr bwMode="auto">
+        <p:spPr>
           <a:xfrm>
-            <a:off x="2338251" y="1763122"/>
-            <a:ext cx="7297329" cy="3501209"/>
+            <a:off x="2168436" y="1270445"/>
+            <a:ext cx="7766548" cy="5041654"/>
           </a:xfrm>
           <a:prstGeom prst="rect">
             <a:avLst/>
           </a:prstGeom>
-          <a:noFill/>
-          <a:ln>
-            <a:noFill/>
-          </a:ln>
         </p:spPr>
       </p:pic>
     </p:spTree>
@@ -6685,7 +6643,7 @@
         <p:cNvPr id="1" name="">
           <a:extLst>
             <a:ext uri="{FF2B5EF4-FFF2-40B4-BE49-F238E27FC236}">
-              <a16:creationId xmlns:a16="http://schemas.microsoft.com/office/drawing/2014/main" xmlns="" id="{F74D13CC-CE2C-3D0F-97C8-2F693D81F24B}"/>
+              <a16:creationId xmlns="" xmlns:a16="http://schemas.microsoft.com/office/drawing/2014/main" id="{F74D13CC-CE2C-3D0F-97C8-2F693D81F24B}"/>
             </a:ext>
           </a:extLst>
         </p:cNvPr>
@@ -6705,7 +6663,7 @@
           <p:cNvPr id="4" name="TextBox 3">
             <a:extLst>
               <a:ext uri="{FF2B5EF4-FFF2-40B4-BE49-F238E27FC236}">
-                <a16:creationId xmlns:a16="http://schemas.microsoft.com/office/drawing/2014/main" xmlns="" id="{5889AF4D-B6B0-FF32-2699-DB5642D7F476}"/>
+                <a16:creationId xmlns="" xmlns:a16="http://schemas.microsoft.com/office/drawing/2014/main" id="{5889AF4D-B6B0-FF32-2699-DB5642D7F476}"/>
               </a:ext>
             </a:extLst>
           </p:cNvPr>
@@ -6747,7 +6705,7 @@
           <p:cNvPr id="6" name="AutoShape 2" descr="The modified UML class diagram, showing the structure of the required smart contracts of the DEX system.">
             <a:extLst>
               <a:ext uri="{FF2B5EF4-FFF2-40B4-BE49-F238E27FC236}">
-                <a16:creationId xmlns:a16="http://schemas.microsoft.com/office/drawing/2014/main" xmlns="" id="{39AC5136-E299-E88A-71DB-EDA1FC8D5835}"/>
+                <a16:creationId xmlns="" xmlns:a16="http://schemas.microsoft.com/office/drawing/2014/main" id="{39AC5136-E299-E88A-71DB-EDA1FC8D5835}"/>
               </a:ext>
             </a:extLst>
           </p:cNvPr>
@@ -6841,7 +6799,7 @@
         <p:cNvPr id="1" name="">
           <a:extLst>
             <a:ext uri="{FF2B5EF4-FFF2-40B4-BE49-F238E27FC236}">
-              <a16:creationId xmlns:a16="http://schemas.microsoft.com/office/drawing/2014/main" xmlns="" id="{8D02C0F0-D0F6-6C2D-A735-88F79D98328A}"/>
+              <a16:creationId xmlns="" xmlns:a16="http://schemas.microsoft.com/office/drawing/2014/main" id="{8D02C0F0-D0F6-6C2D-A735-88F79D98328A}"/>
             </a:ext>
           </a:extLst>
         </p:cNvPr>
@@ -6861,7 +6819,7 @@
           <p:cNvPr id="4" name="TextBox 3">
             <a:extLst>
               <a:ext uri="{FF2B5EF4-FFF2-40B4-BE49-F238E27FC236}">
-                <a16:creationId xmlns:a16="http://schemas.microsoft.com/office/drawing/2014/main" xmlns="" id="{05A30FC5-ADDE-DFA0-EBED-845D477ED349}"/>
+                <a16:creationId xmlns="" xmlns:a16="http://schemas.microsoft.com/office/drawing/2014/main" id="{05A30FC5-ADDE-DFA0-EBED-845D477ED349}"/>
               </a:ext>
             </a:extLst>
           </p:cNvPr>
@@ -6903,7 +6861,7 @@
           <p:cNvPr id="6" name="AutoShape 2" descr="The modified UML class diagram, showing the structure of the required smart contracts of the DEX system.">
             <a:extLst>
               <a:ext uri="{FF2B5EF4-FFF2-40B4-BE49-F238E27FC236}">
-                <a16:creationId xmlns:a16="http://schemas.microsoft.com/office/drawing/2014/main" xmlns="" id="{7D3567F2-56C5-E4A2-9604-E692F949BCB0}"/>
+                <a16:creationId xmlns="" xmlns:a16="http://schemas.microsoft.com/office/drawing/2014/main" id="{7D3567F2-56C5-E4A2-9604-E692F949BCB0}"/>
               </a:ext>
             </a:extLst>
           </p:cNvPr>
@@ -7881,7 +7839,7 @@
           <p:cNvPr id="4" name="Table 2">
             <a:extLst>
               <a:ext uri="{FF2B5EF4-FFF2-40B4-BE49-F238E27FC236}">
-                <a16:creationId xmlns:a16="http://schemas.microsoft.com/office/drawing/2014/main" xmlns="" id="{37355569-728A-7144-B0C9-4D9511C7D2C3}"/>
+                <a16:creationId xmlns="" xmlns:a16="http://schemas.microsoft.com/office/drawing/2014/main" id="{37355569-728A-7144-B0C9-4D9511C7D2C3}"/>
               </a:ext>
             </a:extLst>
           </p:cNvPr>
@@ -7910,133 +7868,133 @@
                 <a:gridCol w="399710">
                   <a:extLst>
                     <a:ext uri="{9D8B030D-6E8A-4147-A177-3AD203B41FA5}">
-                      <a16:colId xmlns:a16="http://schemas.microsoft.com/office/drawing/2014/main" xmlns="" val="1672129667"/>
+                      <a16:colId xmlns="" xmlns:a16="http://schemas.microsoft.com/office/drawing/2014/main" val="1672129667"/>
                     </a:ext>
                   </a:extLst>
                 </a:gridCol>
                 <a:gridCol w="1597622">
                   <a:extLst>
                     <a:ext uri="{9D8B030D-6E8A-4147-A177-3AD203B41FA5}">
-                      <a16:colId xmlns:a16="http://schemas.microsoft.com/office/drawing/2014/main" xmlns="" val="602210714"/>
+                      <a16:colId xmlns="" xmlns:a16="http://schemas.microsoft.com/office/drawing/2014/main" val="602210714"/>
                     </a:ext>
                   </a:extLst>
                 </a:gridCol>
                 <a:gridCol w="831273">
                   <a:extLst>
                     <a:ext uri="{9D8B030D-6E8A-4147-A177-3AD203B41FA5}">
-                      <a16:colId xmlns:a16="http://schemas.microsoft.com/office/drawing/2014/main" xmlns="" val="1817390762"/>
+                      <a16:colId xmlns="" xmlns:a16="http://schemas.microsoft.com/office/drawing/2014/main" val="1817390762"/>
                     </a:ext>
                   </a:extLst>
                 </a:gridCol>
                 <a:gridCol w="766847">
                   <a:extLst>
                     <a:ext uri="{9D8B030D-6E8A-4147-A177-3AD203B41FA5}">
-                      <a16:colId xmlns:a16="http://schemas.microsoft.com/office/drawing/2014/main" xmlns="" val="1546263835"/>
+                      <a16:colId xmlns="" xmlns:a16="http://schemas.microsoft.com/office/drawing/2014/main" val="1546263835"/>
                     </a:ext>
                   </a:extLst>
                 </a:gridCol>
                 <a:gridCol w="824455">
                   <a:extLst>
                     <a:ext uri="{9D8B030D-6E8A-4147-A177-3AD203B41FA5}">
-                      <a16:colId xmlns:a16="http://schemas.microsoft.com/office/drawing/2014/main" xmlns="" val="187052363"/>
+                      <a16:colId xmlns="" xmlns:a16="http://schemas.microsoft.com/office/drawing/2014/main" val="187052363"/>
                     </a:ext>
                   </a:extLst>
                 </a:gridCol>
                 <a:gridCol w="473667">
                   <a:extLst>
                     <a:ext uri="{9D8B030D-6E8A-4147-A177-3AD203B41FA5}">
-                      <a16:colId xmlns:a16="http://schemas.microsoft.com/office/drawing/2014/main" xmlns="" val="745651107"/>
+                      <a16:colId xmlns="" xmlns:a16="http://schemas.microsoft.com/office/drawing/2014/main" val="745651107"/>
                     </a:ext>
                   </a:extLst>
                 </a:gridCol>
                 <a:gridCol w="473667">
                   <a:extLst>
                     <a:ext uri="{9D8B030D-6E8A-4147-A177-3AD203B41FA5}">
-                      <a16:colId xmlns:a16="http://schemas.microsoft.com/office/drawing/2014/main" xmlns="" val="3839570682"/>
+                      <a16:colId xmlns="" xmlns:a16="http://schemas.microsoft.com/office/drawing/2014/main" val="3839570682"/>
                     </a:ext>
                   </a:extLst>
                 </a:gridCol>
                 <a:gridCol w="473667">
                   <a:extLst>
                     <a:ext uri="{9D8B030D-6E8A-4147-A177-3AD203B41FA5}">
-                      <a16:colId xmlns:a16="http://schemas.microsoft.com/office/drawing/2014/main" xmlns="" val="3893106002"/>
+                      <a16:colId xmlns="" xmlns:a16="http://schemas.microsoft.com/office/drawing/2014/main" val="3893106002"/>
                     </a:ext>
                   </a:extLst>
                 </a:gridCol>
                 <a:gridCol w="473667">
                   <a:extLst>
                     <a:ext uri="{9D8B030D-6E8A-4147-A177-3AD203B41FA5}">
-                      <a16:colId xmlns:a16="http://schemas.microsoft.com/office/drawing/2014/main" xmlns="" val="1453603295"/>
+                      <a16:colId xmlns="" xmlns:a16="http://schemas.microsoft.com/office/drawing/2014/main" val="1453603295"/>
                     </a:ext>
                   </a:extLst>
                 </a:gridCol>
                 <a:gridCol w="473667">
                   <a:extLst>
                     <a:ext uri="{9D8B030D-6E8A-4147-A177-3AD203B41FA5}">
-                      <a16:colId xmlns:a16="http://schemas.microsoft.com/office/drawing/2014/main" xmlns="" val="3405603126"/>
+                      <a16:colId xmlns="" xmlns:a16="http://schemas.microsoft.com/office/drawing/2014/main" val="3405603126"/>
                     </a:ext>
                   </a:extLst>
                 </a:gridCol>
                 <a:gridCol w="473667">
                   <a:extLst>
                     <a:ext uri="{9D8B030D-6E8A-4147-A177-3AD203B41FA5}">
-                      <a16:colId xmlns:a16="http://schemas.microsoft.com/office/drawing/2014/main" xmlns="" val="4188645958"/>
+                      <a16:colId xmlns="" xmlns:a16="http://schemas.microsoft.com/office/drawing/2014/main" val="4188645958"/>
                     </a:ext>
                   </a:extLst>
                 </a:gridCol>
                 <a:gridCol w="473667">
                   <a:extLst>
                     <a:ext uri="{9D8B030D-6E8A-4147-A177-3AD203B41FA5}">
-                      <a16:colId xmlns:a16="http://schemas.microsoft.com/office/drawing/2014/main" xmlns="" val="370284219"/>
+                      <a16:colId xmlns="" xmlns:a16="http://schemas.microsoft.com/office/drawing/2014/main" val="370284219"/>
                     </a:ext>
                   </a:extLst>
                 </a:gridCol>
                 <a:gridCol w="473667">
                   <a:extLst>
                     <a:ext uri="{9D8B030D-6E8A-4147-A177-3AD203B41FA5}">
-                      <a16:colId xmlns:a16="http://schemas.microsoft.com/office/drawing/2014/main" xmlns="" val="2570255189"/>
+                      <a16:colId xmlns="" xmlns:a16="http://schemas.microsoft.com/office/drawing/2014/main" val="2570255189"/>
                     </a:ext>
                   </a:extLst>
                 </a:gridCol>
                 <a:gridCol w="473667">
                   <a:extLst>
                     <a:ext uri="{9D8B030D-6E8A-4147-A177-3AD203B41FA5}">
-                      <a16:colId xmlns:a16="http://schemas.microsoft.com/office/drawing/2014/main" xmlns="" val="4253557748"/>
+                      <a16:colId xmlns="" xmlns:a16="http://schemas.microsoft.com/office/drawing/2014/main" val="4253557748"/>
                     </a:ext>
                   </a:extLst>
                 </a:gridCol>
                 <a:gridCol w="473667">
                   <a:extLst>
                     <a:ext uri="{9D8B030D-6E8A-4147-A177-3AD203B41FA5}">
-                      <a16:colId xmlns:a16="http://schemas.microsoft.com/office/drawing/2014/main" xmlns="" val="732807866"/>
+                      <a16:colId xmlns="" xmlns:a16="http://schemas.microsoft.com/office/drawing/2014/main" val="732807866"/>
                     </a:ext>
                   </a:extLst>
                 </a:gridCol>
                 <a:gridCol w="473667">
                   <a:extLst>
                     <a:ext uri="{9D8B030D-6E8A-4147-A177-3AD203B41FA5}">
-                      <a16:colId xmlns:a16="http://schemas.microsoft.com/office/drawing/2014/main" xmlns="" val="1262655051"/>
+                      <a16:colId xmlns="" xmlns:a16="http://schemas.microsoft.com/office/drawing/2014/main" val="1262655051"/>
                     </a:ext>
                   </a:extLst>
                 </a:gridCol>
                 <a:gridCol w="473667">
                   <a:extLst>
                     <a:ext uri="{9D8B030D-6E8A-4147-A177-3AD203B41FA5}">
-                      <a16:colId xmlns:a16="http://schemas.microsoft.com/office/drawing/2014/main" xmlns="" val="2519593283"/>
+                      <a16:colId xmlns="" xmlns:a16="http://schemas.microsoft.com/office/drawing/2014/main" val="2519593283"/>
                     </a:ext>
                   </a:extLst>
                 </a:gridCol>
                 <a:gridCol w="473667">
                   <a:extLst>
                     <a:ext uri="{9D8B030D-6E8A-4147-A177-3AD203B41FA5}">
-                      <a16:colId xmlns:a16="http://schemas.microsoft.com/office/drawing/2014/main" xmlns="" val="3604026297"/>
+                      <a16:colId xmlns="" xmlns:a16="http://schemas.microsoft.com/office/drawing/2014/main" val="3604026297"/>
                     </a:ext>
                   </a:extLst>
                 </a:gridCol>
                 <a:gridCol w="473667">
                   <a:extLst>
                     <a:ext uri="{9D8B030D-6E8A-4147-A177-3AD203B41FA5}">
-                      <a16:colId xmlns:a16="http://schemas.microsoft.com/office/drawing/2014/main" xmlns="" val="232041137"/>
+                      <a16:colId xmlns="" xmlns:a16="http://schemas.microsoft.com/office/drawing/2014/main" val="232041137"/>
                     </a:ext>
                   </a:extLst>
                 </a:gridCol>
@@ -8634,7 +8592,7 @@
                 </a:tc>
                 <a:extLst>
                   <a:ext uri="{0D108BD9-81ED-4DB2-BD59-A6C34878D82A}">
-                    <a16:rowId xmlns:a16="http://schemas.microsoft.com/office/drawing/2014/main" xmlns="" val="350915962"/>
+                    <a16:rowId xmlns="" xmlns:a16="http://schemas.microsoft.com/office/drawing/2014/main" val="350915962"/>
                   </a:ext>
                 </a:extLst>
               </a:tr>
@@ -9713,7 +9671,7 @@
                 </a:tc>
                 <a:extLst>
                   <a:ext uri="{0D108BD9-81ED-4DB2-BD59-A6C34878D82A}">
-                    <a16:rowId xmlns:a16="http://schemas.microsoft.com/office/drawing/2014/main" xmlns="" val="3619611726"/>
+                    <a16:rowId xmlns="" xmlns:a16="http://schemas.microsoft.com/office/drawing/2014/main" val="3619611726"/>
                   </a:ext>
                 </a:extLst>
               </a:tr>
@@ -11179,7 +11137,7 @@
                 </a:tc>
                 <a:extLst>
                   <a:ext uri="{0D108BD9-81ED-4DB2-BD59-A6C34878D82A}">
-                    <a16:rowId xmlns:a16="http://schemas.microsoft.com/office/drawing/2014/main" xmlns="" val="2965858687"/>
+                    <a16:rowId xmlns="" xmlns:a16="http://schemas.microsoft.com/office/drawing/2014/main" val="2965858687"/>
                   </a:ext>
                 </a:extLst>
               </a:tr>
@@ -12673,7 +12631,7 @@
                 </a:tc>
                 <a:extLst>
                   <a:ext uri="{0D108BD9-81ED-4DB2-BD59-A6C34878D82A}">
-                    <a16:rowId xmlns:a16="http://schemas.microsoft.com/office/drawing/2014/main" xmlns="" val="4200816345"/>
+                    <a16:rowId xmlns="" xmlns:a16="http://schemas.microsoft.com/office/drawing/2014/main" val="4200816345"/>
                   </a:ext>
                 </a:extLst>
               </a:tr>
@@ -14182,7 +14140,7 @@
                 </a:tc>
                 <a:extLst>
                   <a:ext uri="{0D108BD9-81ED-4DB2-BD59-A6C34878D82A}">
-                    <a16:rowId xmlns:a16="http://schemas.microsoft.com/office/drawing/2014/main" xmlns="" val="992502013"/>
+                    <a16:rowId xmlns="" xmlns:a16="http://schemas.microsoft.com/office/drawing/2014/main" val="992502013"/>
                   </a:ext>
                 </a:extLst>
               </a:tr>
@@ -15673,7 +15631,7 @@
                 </a:tc>
                 <a:extLst>
                   <a:ext uri="{0D108BD9-81ED-4DB2-BD59-A6C34878D82A}">
-                    <a16:rowId xmlns:a16="http://schemas.microsoft.com/office/drawing/2014/main" xmlns="" val="699537522"/>
+                    <a16:rowId xmlns="" xmlns:a16="http://schemas.microsoft.com/office/drawing/2014/main" val="699537522"/>
                   </a:ext>
                 </a:extLst>
               </a:tr>
@@ -17006,7 +16964,7 @@
                 </a:tc>
                 <a:extLst>
                   <a:ext uri="{0D108BD9-81ED-4DB2-BD59-A6C34878D82A}">
-                    <a16:rowId xmlns:a16="http://schemas.microsoft.com/office/drawing/2014/main" xmlns="" val="3119141191"/>
+                    <a16:rowId xmlns="" xmlns:a16="http://schemas.microsoft.com/office/drawing/2014/main" val="3119141191"/>
                   </a:ext>
                 </a:extLst>
               </a:tr>
@@ -18339,7 +18297,7 @@
                 </a:tc>
                 <a:extLst>
                   <a:ext uri="{0D108BD9-81ED-4DB2-BD59-A6C34878D82A}">
-                    <a16:rowId xmlns:a16="http://schemas.microsoft.com/office/drawing/2014/main" xmlns="" val="911561401"/>
+                    <a16:rowId xmlns="" xmlns:a16="http://schemas.microsoft.com/office/drawing/2014/main" val="911561401"/>
                   </a:ext>
                 </a:extLst>
               </a:tr>
@@ -19672,7 +19630,7 @@
                 </a:tc>
                 <a:extLst>
                   <a:ext uri="{0D108BD9-81ED-4DB2-BD59-A6C34878D82A}">
-                    <a16:rowId xmlns:a16="http://schemas.microsoft.com/office/drawing/2014/main" xmlns="" val="4294209273"/>
+                    <a16:rowId xmlns="" xmlns:a16="http://schemas.microsoft.com/office/drawing/2014/main" val="4294209273"/>
                   </a:ext>
                 </a:extLst>
               </a:tr>
@@ -21017,7 +20975,7 @@
                 </a:tc>
                 <a:extLst>
                   <a:ext uri="{0D108BD9-81ED-4DB2-BD59-A6C34878D82A}">
-                    <a16:rowId xmlns:a16="http://schemas.microsoft.com/office/drawing/2014/main" xmlns="" val="2390668724"/>
+                    <a16:rowId xmlns="" xmlns:a16="http://schemas.microsoft.com/office/drawing/2014/main" val="2390668724"/>
                   </a:ext>
                 </a:extLst>
               </a:tr>
@@ -21511,10 +21469,6 @@
               </a:rPr>
               <a:t>Cyber security</a:t>
             </a:r>
-            <a:endParaRPr lang="en-IN" dirty="0" smtClean="0">
-              <a:latin typeface="Times New Roman" panose="02020603050405020304" pitchFamily="18" charset="0"/>
-              <a:cs typeface="Times New Roman" panose="02020603050405020304" pitchFamily="18" charset="0"/>
-            </a:endParaRPr>
           </a:p>
           <a:p>
             <a:pPr algn="just"/>
@@ -21692,14 +21646,7 @@
                 <a:latin typeface="Times New Roman" panose="02020603050405020304" pitchFamily="18" charset="0"/>
                 <a:cs typeface="Times New Roman" panose="02020603050405020304" pitchFamily="18" charset="0"/>
               </a:rPr>
-              <a:t> </a:t>
-            </a:r>
-            <a:r>
-              <a:rPr lang="en-US" dirty="0">
-                <a:latin typeface="Times New Roman" panose="02020603050405020304" pitchFamily="18" charset="0"/>
-                <a:cs typeface="Times New Roman" panose="02020603050405020304" pitchFamily="18" charset="0"/>
-              </a:rPr>
-              <a:t>Secure and Efficient Data Sharing in Cloud Storage </a:t>
+              <a:t> Secure and Efficient Data Sharing in Cloud Storage </a:t>
             </a:r>
             <a:r>
               <a:rPr lang="en-US" dirty="0" smtClean="0">
@@ -21762,14 +21709,7 @@
                 <a:latin typeface="Times New Roman" panose="02020603050405020304" pitchFamily="18" charset="0"/>
                 <a:cs typeface="Times New Roman" panose="02020603050405020304" pitchFamily="18" charset="0"/>
               </a:rPr>
-              <a:t> </a:t>
-            </a:r>
-            <a:r>
-              <a:rPr lang="en-US" dirty="0">
-                <a:latin typeface="Times New Roman" panose="02020603050405020304" pitchFamily="18" charset="0"/>
-                <a:cs typeface="Times New Roman" panose="02020603050405020304" pitchFamily="18" charset="0"/>
-              </a:rPr>
-              <a:t> </a:t>
+              <a:t>  </a:t>
             </a:r>
             <a:r>
               <a:rPr lang="en-US" dirty="0">
@@ -22030,12 +21970,19 @@
               <a:buNone/>
             </a:pPr>
             <a:r>
+              <a:rPr lang="fr-FR" b="1" dirty="0" smtClean="0">
+                <a:latin typeface="Times New Roman" panose="02020603050405020304" pitchFamily="18" charset="0"/>
+                <a:cs typeface="Times New Roman" panose="02020603050405020304" pitchFamily="18" charset="0"/>
+              </a:rPr>
+              <a:t>URL:</a:t>
+            </a:r>
+            <a:r>
               <a:rPr lang="en-US" b="1" dirty="0" smtClean="0">
                 <a:latin typeface="Times New Roman" panose="02020603050405020304" pitchFamily="18" charset="0"/>
                 <a:cs typeface="Times New Roman" panose="02020603050405020304" pitchFamily="18" charset="0"/>
                 <a:hlinkClick r:id="rId2"/>
               </a:rPr>
-              <a:t>URL:https</a:t>
+              <a:t>https</a:t>
             </a:r>
             <a:r>
               <a:rPr lang="en-US" b="1" dirty="0">
@@ -22142,10 +22089,6 @@
               </a:rPr>
               <a:t>The framework's scalability in dynamic cloud environments is not addressed.</a:t>
             </a:r>
-            <a:endParaRPr lang="en-US" dirty="0">
-              <a:latin typeface="Times New Roman" panose="02020603050405020304" pitchFamily="18" charset="0"/>
-              <a:cs typeface="Times New Roman" panose="02020603050405020304" pitchFamily="18" charset="0"/>
-            </a:endParaRPr>
           </a:p>
         </p:txBody>
       </p:sp>
